--- a/3. Spring 5.0 (Core, MVC, REST, Data JPA, Data REST)/Day 10/Slides/5. Searching, Paging, Validating, and Event Handling/beyond-the-basics-slides.pptx
+++ b/3. Spring 5.0 (Core, MVC, REST, Data JPA, Data REST)/Day 10/Slides/5. Searching, Paging, Validating, and Event Handling/beyond-the-basics-slides.pptx
@@ -2869,7 +2869,7 @@
         </p:blipFill>
         <p:spPr>
           <a:xfrm>
-            <a:off x="2022541" y="3049388"/>
+            <a:off x="2022541" y="3048118"/>
             <a:ext cx="3045223" cy="3045223"/>
           </a:xfrm>
           <a:prstGeom prst="rect">
